--- a/documents/Little Racers - Week 1 updates.pptx
+++ b/documents/Little Racers - Week 1 updates.pptx
@@ -7948,15 +7948,7 @@
                   <a:srgbClr val="FF0000"/>
                 </a:solidFill>
               </a:rPr>
-              <a:t>8 </a:t>
-            </a:r>
-            <a:r>
-              <a:rPr lang="en-US" dirty="0" smtClean="0">
-                <a:solidFill>
-                  <a:srgbClr val="FF0000"/>
-                </a:solidFill>
-              </a:rPr>
-              <a:t>contributors</a:t>
+              <a:t>8 contributors</a:t>
             </a:r>
             <a:endParaRPr lang="en-US" dirty="0">
               <a:solidFill>
@@ -7976,6 +7968,13 @@
   <p:clrMapOvr>
     <a:masterClrMapping/>
   </p:clrMapOvr>
+  <p:timing>
+    <p:tnLst>
+      <p:par>
+        <p:cTn id="1" dur="indefinite" restart="never" nodeType="tmRoot"/>
+      </p:par>
+    </p:tnLst>
+  </p:timing>
 </p:sld>
 </file>
 
@@ -8198,6 +8197,13 @@
   <p:clrMapOvr>
     <a:masterClrMapping/>
   </p:clrMapOvr>
+  <p:timing>
+    <p:tnLst>
+      <p:par>
+        <p:cTn id="1" dur="indefinite" restart="never" nodeType="tmRoot"/>
+      </p:par>
+    </p:tnLst>
+  </p:timing>
 </p:sld>
 </file>
 
@@ -8342,11 +8348,7 @@
             <a:pPr lvl="1"/>
             <a:r>
               <a:rPr lang="en-US" dirty="0" smtClean="0"/>
-              <a:t>Track Tiles are drawn to off-screen canvas when new level is </a:t>
-            </a:r>
-            <a:r>
-              <a:rPr lang="en-US" dirty="0" smtClean="0"/>
-              <a:t>loaded</a:t>
+              <a:t>Track Tiles are drawn to off-screen canvas when new level is loaded</a:t>
             </a:r>
           </a:p>
           <a:p>
@@ -8373,7 +8375,6 @@
               <a:rPr lang="en-US" dirty="0" smtClean="0"/>
               <a:t>Added CSS properties for better display</a:t>
             </a:r>
-            <a:endParaRPr lang="en-US" dirty="0" smtClean="0"/>
           </a:p>
         </p:txBody>
       </p:sp>
@@ -8449,6 +8450,13 @@
   <p:clrMapOvr>
     <a:masterClrMapping/>
   </p:clrMapOvr>
+  <p:timing>
+    <p:tnLst>
+      <p:par>
+        <p:cTn id="1" dur="indefinite" restart="never" nodeType="tmRoot"/>
+      </p:par>
+    </p:tnLst>
+  </p:timing>
 </p:sld>
 </file>
 
@@ -8695,6 +8703,13 @@
   <p:clrMapOvr>
     <a:masterClrMapping/>
   </p:clrMapOvr>
+  <p:timing>
+    <p:tnLst>
+      <p:par>
+        <p:cTn id="1" dur="indefinite" restart="never" nodeType="tmRoot"/>
+      </p:par>
+    </p:tnLst>
+  </p:timing>
 </p:sld>
 </file>
 
@@ -8782,6 +8797,13 @@
   <p:clrMapOvr>
     <a:masterClrMapping/>
   </p:clrMapOvr>
+  <p:timing>
+    <p:tnLst>
+      <p:par>
+        <p:cTn id="1" dur="indefinite" restart="never" nodeType="tmRoot"/>
+      </p:par>
+    </p:tnLst>
+  </p:timing>
 </p:sld>
 </file>
 
